--- a/docs/필射즉생_김건호_고선우_정윤제.pptx
+++ b/docs/필射즉생_김건호_고선우_정윤제.pptx
@@ -257,7 +257,7 @@
           <a:p>
             <a:fld id="{C317CB0F-B526-4CDE-9D63-911F4FB46D93}" type="datetimeFigureOut">
               <a:rPr lang="ko-KR" altLang="en-US" smtClean="0"/>
-              <a:t>2021-12-13</a:t>
+              <a:t>2022-05-04</a:t>
             </a:fld>
             <a:endParaRPr lang="ko-KR" altLang="en-US"/>
           </a:p>
@@ -652,6 +652,26 @@
           <a:bodyPr/>
           <a:lstStyle/>
           <a:p>
+            <a:r>
+              <a:rPr lang="en-US" altLang="ko-KR" dirty="0" err="1" smtClean="0"/>
+              <a:t>Iocp</a:t>
+            </a:r>
+            <a:r>
+              <a:rPr lang="en-US" altLang="ko-KR" baseline="0" dirty="0" smtClean="0"/>
+              <a:t> </a:t>
+            </a:r>
+            <a:r>
+              <a:rPr lang="ko-KR" altLang="en-US" baseline="0" dirty="0" smtClean="0"/>
+              <a:t>구현 </a:t>
+            </a:r>
+            <a:r>
+              <a:rPr lang="ko-KR" altLang="en-US" baseline="0" dirty="0" err="1" smtClean="0"/>
+              <a:t>데드레커닝</a:t>
+            </a:r>
+            <a:r>
+              <a:rPr lang="ko-KR" altLang="en-US" baseline="0" dirty="0" smtClean="0"/>
+              <a:t> 구현 예정</a:t>
+            </a:r>
             <a:endParaRPr lang="ko-KR" altLang="en-US" dirty="0"/>
           </a:p>
         </p:txBody>
@@ -2234,7 +2254,7 @@
           <a:p>
             <a:fld id="{F9A6936A-5CAA-4D30-9E0C-3B6082CD7044}" type="datetimeFigureOut">
               <a:rPr lang="ko-KR" altLang="en-US" smtClean="0"/>
-              <a:t>2021-12-13</a:t>
+              <a:t>2022-05-04</a:t>
             </a:fld>
             <a:endParaRPr lang="ko-KR" altLang="en-US"/>
           </a:p>
@@ -2304,13 +2324,13 @@
   <p:clrMapOvr>
     <a:masterClrMapping/>
   </p:clrMapOvr>
-  <mc:AlternateContent xmlns:mc="http://schemas.openxmlformats.org/markup-compatibility/2006" xmlns:p159="http://schemas.microsoft.com/office/powerpoint/2015/09/main">
-    <mc:Choice Requires="p159">
+  <mc:AlternateContent xmlns:mc="http://schemas.openxmlformats.org/markup-compatibility/2006">
+    <mc:Choice xmlns:p159="http://schemas.microsoft.com/office/powerpoint/2015/09/main" xmlns="" Requires="p159">
       <p:transition xmlns:p14="http://schemas.microsoft.com/office/powerpoint/2010/main" spd="slow" p14:dur="2000">
         <p159:morph option="byObject"/>
       </p:transition>
     </mc:Choice>
-    <mc:Fallback xmlns="">
+    <mc:Fallback>
       <p:transition spd="slow">
         <p:fade/>
       </p:transition>
@@ -2444,7 +2464,7 @@
           <a:p>
             <a:fld id="{F9A6936A-5CAA-4D30-9E0C-3B6082CD7044}" type="datetimeFigureOut">
               <a:rPr lang="ko-KR" altLang="en-US" smtClean="0"/>
-              <a:t>2021-12-13</a:t>
+              <a:t>2022-05-04</a:t>
             </a:fld>
             <a:endParaRPr lang="ko-KR" altLang="en-US"/>
           </a:p>
@@ -2514,13 +2534,13 @@
   <p:clrMapOvr>
     <a:masterClrMapping/>
   </p:clrMapOvr>
-  <mc:AlternateContent xmlns:mc="http://schemas.openxmlformats.org/markup-compatibility/2006" xmlns:p159="http://schemas.microsoft.com/office/powerpoint/2015/09/main">
-    <mc:Choice Requires="p159">
+  <mc:AlternateContent xmlns:mc="http://schemas.openxmlformats.org/markup-compatibility/2006">
+    <mc:Choice xmlns:p159="http://schemas.microsoft.com/office/powerpoint/2015/09/main" xmlns="" Requires="p159">
       <p:transition xmlns:p14="http://schemas.microsoft.com/office/powerpoint/2010/main" spd="slow" p14:dur="2000">
         <p159:morph option="byObject"/>
       </p:transition>
     </mc:Choice>
-    <mc:Fallback xmlns="">
+    <mc:Fallback>
       <p:transition spd="slow">
         <p:fade/>
       </p:transition>
@@ -2664,7 +2684,7 @@
           <a:p>
             <a:fld id="{F9A6936A-5CAA-4D30-9E0C-3B6082CD7044}" type="datetimeFigureOut">
               <a:rPr lang="ko-KR" altLang="en-US" smtClean="0"/>
-              <a:t>2021-12-13</a:t>
+              <a:t>2022-05-04</a:t>
             </a:fld>
             <a:endParaRPr lang="ko-KR" altLang="en-US"/>
           </a:p>
@@ -2734,13 +2754,13 @@
   <p:clrMapOvr>
     <a:masterClrMapping/>
   </p:clrMapOvr>
-  <mc:AlternateContent xmlns:mc="http://schemas.openxmlformats.org/markup-compatibility/2006" xmlns:p159="http://schemas.microsoft.com/office/powerpoint/2015/09/main">
-    <mc:Choice Requires="p159">
+  <mc:AlternateContent xmlns:mc="http://schemas.openxmlformats.org/markup-compatibility/2006">
+    <mc:Choice xmlns:p159="http://schemas.microsoft.com/office/powerpoint/2015/09/main" xmlns="" Requires="p159">
       <p:transition xmlns:p14="http://schemas.microsoft.com/office/powerpoint/2010/main" spd="slow" p14:dur="2000">
         <p159:morph option="byObject"/>
       </p:transition>
     </mc:Choice>
-    <mc:Fallback xmlns="">
+    <mc:Fallback>
       <p:transition spd="slow">
         <p:fade/>
       </p:transition>
@@ -2874,7 +2894,7 @@
           <a:p>
             <a:fld id="{F9A6936A-5CAA-4D30-9E0C-3B6082CD7044}" type="datetimeFigureOut">
               <a:rPr lang="ko-KR" altLang="en-US" smtClean="0"/>
-              <a:t>2021-12-13</a:t>
+              <a:t>2022-05-04</a:t>
             </a:fld>
             <a:endParaRPr lang="ko-KR" altLang="en-US"/>
           </a:p>
@@ -2944,13 +2964,13 @@
   <p:clrMapOvr>
     <a:masterClrMapping/>
   </p:clrMapOvr>
-  <mc:AlternateContent xmlns:mc="http://schemas.openxmlformats.org/markup-compatibility/2006" xmlns:p159="http://schemas.microsoft.com/office/powerpoint/2015/09/main">
-    <mc:Choice Requires="p159">
+  <mc:AlternateContent xmlns:mc="http://schemas.openxmlformats.org/markup-compatibility/2006">
+    <mc:Choice xmlns:p159="http://schemas.microsoft.com/office/powerpoint/2015/09/main" xmlns="" Requires="p159">
       <p:transition xmlns:p14="http://schemas.microsoft.com/office/powerpoint/2010/main" spd="slow" p14:dur="2000">
         <p159:morph option="byObject"/>
       </p:transition>
     </mc:Choice>
-    <mc:Fallback xmlns="">
+    <mc:Fallback>
       <p:transition spd="slow">
         <p:fade/>
       </p:transition>
@@ -3161,7 +3181,7 @@
           <a:p>
             <a:fld id="{F9A6936A-5CAA-4D30-9E0C-3B6082CD7044}" type="datetimeFigureOut">
               <a:rPr lang="ko-KR" altLang="en-US" smtClean="0"/>
-              <a:t>2021-12-13</a:t>
+              <a:t>2022-05-04</a:t>
             </a:fld>
             <a:endParaRPr lang="ko-KR" altLang="en-US"/>
           </a:p>
@@ -3231,13 +3251,13 @@
   <p:clrMapOvr>
     <a:masterClrMapping/>
   </p:clrMapOvr>
-  <mc:AlternateContent xmlns:mc="http://schemas.openxmlformats.org/markup-compatibility/2006" xmlns:p159="http://schemas.microsoft.com/office/powerpoint/2015/09/main">
-    <mc:Choice Requires="p159">
+  <mc:AlternateContent xmlns:mc="http://schemas.openxmlformats.org/markup-compatibility/2006">
+    <mc:Choice xmlns:p159="http://schemas.microsoft.com/office/powerpoint/2015/09/main" xmlns="" Requires="p159">
       <p:transition xmlns:p14="http://schemas.microsoft.com/office/powerpoint/2010/main" spd="slow" p14:dur="2000">
         <p159:morph option="byObject"/>
       </p:transition>
     </mc:Choice>
-    <mc:Fallback xmlns="">
+    <mc:Fallback>
       <p:transition spd="slow">
         <p:fade/>
       </p:transition>
@@ -3438,7 +3458,7 @@
           <a:p>
             <a:fld id="{F9A6936A-5CAA-4D30-9E0C-3B6082CD7044}" type="datetimeFigureOut">
               <a:rPr lang="ko-KR" altLang="en-US" smtClean="0"/>
-              <a:t>2021-12-13</a:t>
+              <a:t>2022-05-04</a:t>
             </a:fld>
             <a:endParaRPr lang="ko-KR" altLang="en-US"/>
           </a:p>
@@ -3508,13 +3528,13 @@
   <p:clrMapOvr>
     <a:masterClrMapping/>
   </p:clrMapOvr>
-  <mc:AlternateContent xmlns:mc="http://schemas.openxmlformats.org/markup-compatibility/2006" xmlns:p159="http://schemas.microsoft.com/office/powerpoint/2015/09/main">
-    <mc:Choice Requires="p159">
+  <mc:AlternateContent xmlns:mc="http://schemas.openxmlformats.org/markup-compatibility/2006">
+    <mc:Choice xmlns:p159="http://schemas.microsoft.com/office/powerpoint/2015/09/main" xmlns="" Requires="p159">
       <p:transition xmlns:p14="http://schemas.microsoft.com/office/powerpoint/2010/main" spd="slow" p14:dur="2000">
         <p159:morph option="byObject"/>
       </p:transition>
     </mc:Choice>
-    <mc:Fallback xmlns="">
+    <mc:Fallback>
       <p:transition spd="slow">
         <p:fade/>
       </p:transition>
@@ -3862,7 +3882,7 @@
           <a:p>
             <a:fld id="{F9A6936A-5CAA-4D30-9E0C-3B6082CD7044}" type="datetimeFigureOut">
               <a:rPr lang="ko-KR" altLang="en-US" smtClean="0"/>
-              <a:t>2021-12-13</a:t>
+              <a:t>2022-05-04</a:t>
             </a:fld>
             <a:endParaRPr lang="ko-KR" altLang="en-US"/>
           </a:p>
@@ -3932,13 +3952,13 @@
   <p:clrMapOvr>
     <a:masterClrMapping/>
   </p:clrMapOvr>
-  <mc:AlternateContent xmlns:mc="http://schemas.openxmlformats.org/markup-compatibility/2006" xmlns:p159="http://schemas.microsoft.com/office/powerpoint/2015/09/main">
-    <mc:Choice Requires="p159">
+  <mc:AlternateContent xmlns:mc="http://schemas.openxmlformats.org/markup-compatibility/2006">
+    <mc:Choice xmlns:p159="http://schemas.microsoft.com/office/powerpoint/2015/09/main" xmlns="" Requires="p159">
       <p:transition xmlns:p14="http://schemas.microsoft.com/office/powerpoint/2010/main" spd="slow" p14:dur="2000">
         <p159:morph option="byObject"/>
       </p:transition>
     </mc:Choice>
-    <mc:Fallback xmlns="">
+    <mc:Fallback>
       <p:transition spd="slow">
         <p:fade/>
       </p:transition>
@@ -4015,7 +4035,7 @@
           <a:p>
             <a:fld id="{F9A6936A-5CAA-4D30-9E0C-3B6082CD7044}" type="datetimeFigureOut">
               <a:rPr lang="ko-KR" altLang="en-US" smtClean="0"/>
-              <a:t>2021-12-13</a:t>
+              <a:t>2022-05-04</a:t>
             </a:fld>
             <a:endParaRPr lang="ko-KR" altLang="en-US"/>
           </a:p>
@@ -4085,13 +4105,13 @@
   <p:clrMapOvr>
     <a:masterClrMapping/>
   </p:clrMapOvr>
-  <mc:AlternateContent xmlns:mc="http://schemas.openxmlformats.org/markup-compatibility/2006" xmlns:p159="http://schemas.microsoft.com/office/powerpoint/2015/09/main">
-    <mc:Choice Requires="p159">
+  <mc:AlternateContent xmlns:mc="http://schemas.openxmlformats.org/markup-compatibility/2006">
+    <mc:Choice xmlns:p159="http://schemas.microsoft.com/office/powerpoint/2015/09/main" xmlns="" Requires="p159">
       <p:transition xmlns:p14="http://schemas.microsoft.com/office/powerpoint/2010/main" spd="slow" p14:dur="2000">
         <p159:morph option="byObject"/>
       </p:transition>
     </mc:Choice>
-    <mc:Fallback xmlns="">
+    <mc:Fallback>
       <p:transition spd="slow">
         <p:fade/>
       </p:transition>
@@ -4140,7 +4160,7 @@
           <a:p>
             <a:fld id="{F9A6936A-5CAA-4D30-9E0C-3B6082CD7044}" type="datetimeFigureOut">
               <a:rPr lang="ko-KR" altLang="en-US" smtClean="0"/>
-              <a:t>2021-12-13</a:t>
+              <a:t>2022-05-04</a:t>
             </a:fld>
             <a:endParaRPr lang="ko-KR" altLang="en-US"/>
           </a:p>
@@ -4210,13 +4230,13 @@
   <p:clrMapOvr>
     <a:masterClrMapping/>
   </p:clrMapOvr>
-  <mc:AlternateContent xmlns:mc="http://schemas.openxmlformats.org/markup-compatibility/2006" xmlns:p159="http://schemas.microsoft.com/office/powerpoint/2015/09/main">
-    <mc:Choice Requires="p159">
+  <mc:AlternateContent xmlns:mc="http://schemas.openxmlformats.org/markup-compatibility/2006">
+    <mc:Choice xmlns:p159="http://schemas.microsoft.com/office/powerpoint/2015/09/main" xmlns="" Requires="p159">
       <p:transition xmlns:p14="http://schemas.microsoft.com/office/powerpoint/2010/main" spd="slow" p14:dur="2000">
         <p159:morph option="byObject"/>
       </p:transition>
     </mc:Choice>
-    <mc:Fallback xmlns="">
+    <mc:Fallback>
       <p:transition spd="slow">
         <p:fade/>
       </p:transition>
@@ -4463,7 +4483,7 @@
           <a:p>
             <a:fld id="{F9A6936A-5CAA-4D30-9E0C-3B6082CD7044}" type="datetimeFigureOut">
               <a:rPr lang="ko-KR" altLang="en-US" smtClean="0"/>
-              <a:t>2021-12-13</a:t>
+              <a:t>2022-05-04</a:t>
             </a:fld>
             <a:endParaRPr lang="ko-KR" altLang="en-US"/>
           </a:p>
@@ -4533,13 +4553,13 @@
   <p:clrMapOvr>
     <a:masterClrMapping/>
   </p:clrMapOvr>
-  <mc:AlternateContent xmlns:mc="http://schemas.openxmlformats.org/markup-compatibility/2006" xmlns:p159="http://schemas.microsoft.com/office/powerpoint/2015/09/main">
-    <mc:Choice Requires="p159">
+  <mc:AlternateContent xmlns:mc="http://schemas.openxmlformats.org/markup-compatibility/2006">
+    <mc:Choice xmlns:p159="http://schemas.microsoft.com/office/powerpoint/2015/09/main" xmlns="" Requires="p159">
       <p:transition xmlns:p14="http://schemas.microsoft.com/office/powerpoint/2010/main" spd="slow" p14:dur="2000">
         <p159:morph option="byObject"/>
       </p:transition>
     </mc:Choice>
-    <mc:Fallback xmlns="">
+    <mc:Fallback>
       <p:transition spd="slow">
         <p:fade/>
       </p:transition>
@@ -4763,7 +4783,7 @@
           <a:p>
             <a:fld id="{F9A6936A-5CAA-4D30-9E0C-3B6082CD7044}" type="datetimeFigureOut">
               <a:rPr lang="ko-KR" altLang="en-US" smtClean="0"/>
-              <a:t>2021-12-13</a:t>
+              <a:t>2022-05-04</a:t>
             </a:fld>
             <a:endParaRPr lang="ko-KR" altLang="en-US"/>
           </a:p>
@@ -4833,13 +4853,13 @@
   <p:clrMapOvr>
     <a:masterClrMapping/>
   </p:clrMapOvr>
-  <mc:AlternateContent xmlns:mc="http://schemas.openxmlformats.org/markup-compatibility/2006" xmlns:p159="http://schemas.microsoft.com/office/powerpoint/2015/09/main">
-    <mc:Choice Requires="p159">
+  <mc:AlternateContent xmlns:mc="http://schemas.openxmlformats.org/markup-compatibility/2006">
+    <mc:Choice xmlns:p159="http://schemas.microsoft.com/office/powerpoint/2015/09/main" xmlns="" Requires="p159">
       <p:transition xmlns:p14="http://schemas.microsoft.com/office/powerpoint/2010/main" spd="slow" p14:dur="2000">
         <p159:morph option="byObject"/>
       </p:transition>
     </mc:Choice>
-    <mc:Fallback xmlns="">
+    <mc:Fallback>
       <p:transition spd="slow">
         <p:fade/>
       </p:transition>
@@ -5016,7 +5036,7 @@
           <a:p>
             <a:fld id="{F9A6936A-5CAA-4D30-9E0C-3B6082CD7044}" type="datetimeFigureOut">
               <a:rPr lang="ko-KR" altLang="en-US" smtClean="0"/>
-              <a:t>2021-12-13</a:t>
+              <a:t>2022-05-04</a:t>
             </a:fld>
             <a:endParaRPr lang="ko-KR" altLang="en-US"/>
           </a:p>
@@ -5133,13 +5153,13 @@
     <p:sldLayoutId id="2147483658" r:id="rId10"/>
     <p:sldLayoutId id="2147483659" r:id="rId11"/>
   </p:sldLayoutIdLst>
-  <mc:AlternateContent xmlns:mc="http://schemas.openxmlformats.org/markup-compatibility/2006" xmlns:p159="http://schemas.microsoft.com/office/powerpoint/2015/09/main">
-    <mc:Choice Requires="p159">
+  <mc:AlternateContent xmlns:mc="http://schemas.openxmlformats.org/markup-compatibility/2006">
+    <mc:Choice xmlns:p159="http://schemas.microsoft.com/office/powerpoint/2015/09/main" xmlns="" Requires="p159">
       <p:transition xmlns:p14="http://schemas.microsoft.com/office/powerpoint/2010/main" spd="slow" p14:dur="2000">
         <p159:morph option="byObject"/>
       </p:transition>
     </mc:Choice>
-    <mc:Fallback xmlns="">
+    <mc:Fallback>
       <p:transition spd="slow">
         <p:fade/>
       </p:transition>
@@ -6032,13 +6052,13 @@
   <p:clrMapOvr>
     <a:masterClrMapping/>
   </p:clrMapOvr>
-  <mc:AlternateContent xmlns:mc="http://schemas.openxmlformats.org/markup-compatibility/2006" xmlns:p159="http://schemas.microsoft.com/office/powerpoint/2015/09/main">
-    <mc:Choice Requires="p159">
+  <mc:AlternateContent xmlns:mc="http://schemas.openxmlformats.org/markup-compatibility/2006">
+    <mc:Choice xmlns:p159="http://schemas.microsoft.com/office/powerpoint/2015/09/main" xmlns="" Requires="p159">
       <p:transition xmlns:p14="http://schemas.microsoft.com/office/powerpoint/2010/main" spd="slow" p14:dur="2000">
         <p159:morph option="byObject"/>
       </p:transition>
     </mc:Choice>
-    <mc:Fallback xmlns="">
+    <mc:Fallback>
       <p:transition spd="slow">
         <p:fade/>
       </p:transition>
@@ -6885,13 +6905,13 @@
   <p:clrMapOvr>
     <a:masterClrMapping/>
   </p:clrMapOvr>
-  <mc:AlternateContent xmlns:mc="http://schemas.openxmlformats.org/markup-compatibility/2006" xmlns:p159="http://schemas.microsoft.com/office/powerpoint/2015/09/main">
-    <mc:Choice Requires="p159">
+  <mc:AlternateContent xmlns:mc="http://schemas.openxmlformats.org/markup-compatibility/2006">
+    <mc:Choice xmlns:p159="http://schemas.microsoft.com/office/powerpoint/2015/09/main" xmlns="" Requires="p159">
       <p:transition xmlns:p14="http://schemas.microsoft.com/office/powerpoint/2010/main" spd="slow" p14:dur="2000">
         <p159:morph option="byObject"/>
       </p:transition>
     </mc:Choice>
-    <mc:Fallback xmlns="">
+    <mc:Fallback>
       <p:transition spd="slow">
         <p:fade/>
       </p:transition>
@@ -7871,13 +7891,13 @@
   <p:clrMapOvr>
     <a:masterClrMapping/>
   </p:clrMapOvr>
-  <mc:AlternateContent xmlns:mc="http://schemas.openxmlformats.org/markup-compatibility/2006" xmlns:p159="http://schemas.microsoft.com/office/powerpoint/2015/09/main">
-    <mc:Choice Requires="p159">
+  <mc:AlternateContent xmlns:mc="http://schemas.openxmlformats.org/markup-compatibility/2006">
+    <mc:Choice xmlns:p159="http://schemas.microsoft.com/office/powerpoint/2015/09/main" xmlns="" Requires="p159">
       <p:transition xmlns:p14="http://schemas.microsoft.com/office/powerpoint/2010/main" spd="slow" p14:dur="2000">
         <p159:morph option="byObject"/>
       </p:transition>
     </mc:Choice>
-    <mc:Fallback xmlns="">
+    <mc:Fallback>
       <p:transition spd="slow">
         <p:fade/>
       </p:transition>
@@ -8453,13 +8473,13 @@
   <p:clrMapOvr>
     <a:masterClrMapping/>
   </p:clrMapOvr>
-  <mc:AlternateContent xmlns:mc="http://schemas.openxmlformats.org/markup-compatibility/2006" xmlns:p159="http://schemas.microsoft.com/office/powerpoint/2015/09/main">
-    <mc:Choice Requires="p159">
+  <mc:AlternateContent xmlns:mc="http://schemas.openxmlformats.org/markup-compatibility/2006">
+    <mc:Choice xmlns:p159="http://schemas.microsoft.com/office/powerpoint/2015/09/main" xmlns="" Requires="p159">
       <p:transition xmlns:p14="http://schemas.microsoft.com/office/powerpoint/2010/main" spd="slow" p14:dur="2000">
         <p159:morph option="byObject"/>
       </p:transition>
     </mc:Choice>
-    <mc:Fallback xmlns="">
+    <mc:Fallback>
       <p:transition spd="slow">
         <p:fade/>
       </p:transition>
@@ -9244,13 +9264,13 @@
   <p:clrMapOvr>
     <a:masterClrMapping/>
   </p:clrMapOvr>
-  <mc:AlternateContent xmlns:mc="http://schemas.openxmlformats.org/markup-compatibility/2006" xmlns:p159="http://schemas.microsoft.com/office/powerpoint/2015/09/main">
-    <mc:Choice Requires="p159">
+  <mc:AlternateContent xmlns:mc="http://schemas.openxmlformats.org/markup-compatibility/2006">
+    <mc:Choice xmlns:p159="http://schemas.microsoft.com/office/powerpoint/2015/09/main" xmlns="" Requires="p159">
       <p:transition xmlns:p14="http://schemas.microsoft.com/office/powerpoint/2010/main" spd="slow" p14:dur="2000">
         <p159:morph option="byObject"/>
       </p:transition>
     </mc:Choice>
-    <mc:Fallback xmlns="">
+    <mc:Fallback>
       <p:transition spd="slow">
         <p:fade/>
       </p:transition>
@@ -9649,19 +9669,6 @@
                 <a:t>- </a:t>
               </a:r>
               <a:r>
-                <a:rPr lang="ko-KR" altLang="en-US" sz="2300" spc="-150">
-                  <a:solidFill>
-                    <a:schemeClr val="tx1">
-                      <a:lumMod val="65000"/>
-                      <a:lumOff val="35000"/>
-                    </a:schemeClr>
-                  </a:solidFill>
-                  <a:latin typeface="나눔스퀘어 Bold" panose="020B0600000101010101" pitchFamily="50" charset="-127"/>
-                  <a:ea typeface="나눔스퀘어 Bold" panose="020B0600000101010101" pitchFamily="50" charset="-127"/>
-                </a:rPr>
-                <a:t>몬스터 </a:t>
-              </a:r>
-              <a:r>
                 <a:rPr lang="ko-KR" altLang="en-US" sz="2300" spc="-150" dirty="0">
                   <a:solidFill>
                     <a:schemeClr val="tx1">
@@ -9672,20 +9679,7 @@
                   <a:latin typeface="나눔스퀘어 Bold" panose="020B0600000101010101" pitchFamily="50" charset="-127"/>
                   <a:ea typeface="나눔스퀘어 Bold" panose="020B0600000101010101" pitchFamily="50" charset="-127"/>
                 </a:rPr>
-                <a:t>상태에 </a:t>
-              </a:r>
-              <a:r>
-                <a:rPr lang="ko-KR" altLang="en-US" sz="2300" spc="-150">
-                  <a:solidFill>
-                    <a:schemeClr val="tx1">
-                      <a:lumMod val="65000"/>
-                      <a:lumOff val="35000"/>
-                    </a:schemeClr>
-                  </a:solidFill>
-                  <a:latin typeface="나눔스퀘어 Bold" panose="020B0600000101010101" pitchFamily="50" charset="-127"/>
-                  <a:ea typeface="나눔스퀘어 Bold" panose="020B0600000101010101" pitchFamily="50" charset="-127"/>
-                </a:rPr>
-                <a:t>따른 </a:t>
+                <a:t>몬스터 상태에 따른 </a:t>
               </a:r>
               <a:r>
                 <a:rPr lang="en-US" altLang="ko-KR" sz="2300" spc="-150" dirty="0">
@@ -9716,7 +9710,7 @@
                 <a:t>- IOCP</a:t>
               </a:r>
               <a:r>
-                <a:rPr lang="ko-KR" altLang="en-US" sz="2300" spc="-150">
+                <a:rPr lang="ko-KR" altLang="en-US" sz="2300" spc="-150" dirty="0">
                   <a:solidFill>
                     <a:schemeClr val="tx1">
                       <a:lumMod val="65000"/>
@@ -9741,7 +9735,7 @@
             </a:p>
             <a:p>
               <a:r>
-                <a:rPr lang="en-US" altLang="ko-KR" sz="2300" spc="-150">
+                <a:rPr lang="en-US" altLang="ko-KR" sz="2300" spc="-150" dirty="0">
                   <a:solidFill>
                     <a:schemeClr val="tx1">
                       <a:lumMod val="65000"/>
@@ -9754,7 +9748,7 @@
                 <a:t>- </a:t>
               </a:r>
               <a:r>
-                <a:rPr lang="ko-KR" altLang="en-US" sz="2300" spc="-150">
+                <a:rPr lang="ko-KR" altLang="en-US" sz="2300" spc="-150" dirty="0" err="1">
                   <a:solidFill>
                     <a:schemeClr val="tx1">
                       <a:lumMod val="65000"/>
@@ -9764,7 +9758,46 @@
                   <a:latin typeface="나눔스퀘어 Bold" panose="020B0600000101010101" pitchFamily="50" charset="-127"/>
                   <a:ea typeface="나눔스퀘어 Bold" panose="020B0600000101010101" pitchFamily="50" charset="-127"/>
                 </a:rPr>
-                <a:t>데드 레커닝 알고리즘 구현</a:t>
+                <a:t>데드</a:t>
+              </a:r>
+              <a:r>
+                <a:rPr lang="ko-KR" altLang="en-US" sz="2300" spc="-150" dirty="0">
+                  <a:solidFill>
+                    <a:schemeClr val="tx1">
+                      <a:lumMod val="65000"/>
+                      <a:lumOff val="35000"/>
+                    </a:schemeClr>
+                  </a:solidFill>
+                  <a:latin typeface="나눔스퀘어 Bold" panose="020B0600000101010101" pitchFamily="50" charset="-127"/>
+                  <a:ea typeface="나눔스퀘어 Bold" panose="020B0600000101010101" pitchFamily="50" charset="-127"/>
+                </a:rPr>
+                <a:t> </a:t>
+              </a:r>
+              <a:r>
+                <a:rPr lang="ko-KR" altLang="en-US" sz="2300" spc="-150" dirty="0" err="1">
+                  <a:solidFill>
+                    <a:schemeClr val="tx1">
+                      <a:lumMod val="65000"/>
+                      <a:lumOff val="35000"/>
+                    </a:schemeClr>
+                  </a:solidFill>
+                  <a:latin typeface="나눔스퀘어 Bold" panose="020B0600000101010101" pitchFamily="50" charset="-127"/>
+                  <a:ea typeface="나눔스퀘어 Bold" panose="020B0600000101010101" pitchFamily="50" charset="-127"/>
+                </a:rPr>
+                <a:t>레커닝</a:t>
+              </a:r>
+              <a:r>
+                <a:rPr lang="ko-KR" altLang="en-US" sz="2300" spc="-150" dirty="0">
+                  <a:solidFill>
+                    <a:schemeClr val="tx1">
+                      <a:lumMod val="65000"/>
+                      <a:lumOff val="35000"/>
+                    </a:schemeClr>
+                  </a:solidFill>
+                  <a:latin typeface="나눔스퀘어 Bold" panose="020B0600000101010101" pitchFamily="50" charset="-127"/>
+                  <a:ea typeface="나눔스퀘어 Bold" panose="020B0600000101010101" pitchFamily="50" charset="-127"/>
+                </a:rPr>
+                <a:t> 알고리즘 구현</a:t>
               </a:r>
               <a:endParaRPr lang="en-US" altLang="ko-KR" sz="2300" spc="-150" dirty="0">
                 <a:solidFill>
@@ -10308,13 +10341,13 @@
   <p:clrMapOvr>
     <a:masterClrMapping/>
   </p:clrMapOvr>
-  <mc:AlternateContent xmlns:mc="http://schemas.openxmlformats.org/markup-compatibility/2006" xmlns:p159="http://schemas.microsoft.com/office/powerpoint/2015/09/main">
-    <mc:Choice Requires="p159">
+  <mc:AlternateContent xmlns:mc="http://schemas.openxmlformats.org/markup-compatibility/2006">
+    <mc:Choice xmlns:p159="http://schemas.microsoft.com/office/powerpoint/2015/09/main" xmlns="" Requires="p159">
       <p:transition xmlns:p14="http://schemas.microsoft.com/office/powerpoint/2010/main" spd="slow" p14:dur="2000">
         <p159:morph option="byObject"/>
       </p:transition>
     </mc:Choice>
-    <mc:Fallback xmlns="">
+    <mc:Fallback>
       <p:transition spd="slow">
         <p:fade/>
       </p:transition>
@@ -10531,13 +10564,13 @@
   <p:clrMapOvr>
     <a:masterClrMapping/>
   </p:clrMapOvr>
-  <mc:AlternateContent xmlns:mc="http://schemas.openxmlformats.org/markup-compatibility/2006" xmlns:p159="http://schemas.microsoft.com/office/powerpoint/2015/09/main">
-    <mc:Choice Requires="p159">
+  <mc:AlternateContent xmlns:mc="http://schemas.openxmlformats.org/markup-compatibility/2006">
+    <mc:Choice xmlns:p159="http://schemas.microsoft.com/office/powerpoint/2015/09/main" xmlns="" Requires="p159">
       <p:transition xmlns:p14="http://schemas.microsoft.com/office/powerpoint/2010/main" spd="slow" p14:dur="2000">
         <p159:morph option="byObject"/>
       </p:transition>
     </mc:Choice>
-    <mc:Fallback xmlns="">
+    <mc:Fallback>
       <p:transition spd="slow">
         <p:fade/>
       </p:transition>
@@ -11232,13 +11265,13 @@
   <p:clrMapOvr>
     <a:masterClrMapping/>
   </p:clrMapOvr>
-  <mc:AlternateContent xmlns:mc="http://schemas.openxmlformats.org/markup-compatibility/2006" xmlns:p159="http://schemas.microsoft.com/office/powerpoint/2015/09/main">
-    <mc:Choice Requires="p159">
+  <mc:AlternateContent xmlns:mc="http://schemas.openxmlformats.org/markup-compatibility/2006">
+    <mc:Choice xmlns:p159="http://schemas.microsoft.com/office/powerpoint/2015/09/main" xmlns="" Requires="p159">
       <p:transition xmlns:p14="http://schemas.microsoft.com/office/powerpoint/2010/main" spd="slow" p14:dur="2000">
         <p159:morph option="byObject"/>
       </p:transition>
     </mc:Choice>
-    <mc:Fallback xmlns="">
+    <mc:Fallback>
       <p:transition spd="slow">
         <p:fade/>
       </p:transition>
@@ -11394,13 +11427,13 @@
   <p:clrMapOvr>
     <a:masterClrMapping/>
   </p:clrMapOvr>
-  <mc:AlternateContent xmlns:mc="http://schemas.openxmlformats.org/markup-compatibility/2006" xmlns:p159="http://schemas.microsoft.com/office/powerpoint/2015/09/main">
-    <mc:Choice Requires="p159">
+  <mc:AlternateContent xmlns:mc="http://schemas.openxmlformats.org/markup-compatibility/2006">
+    <mc:Choice xmlns:p159="http://schemas.microsoft.com/office/powerpoint/2015/09/main" xmlns="" Requires="p159">
       <p:transition xmlns:p14="http://schemas.microsoft.com/office/powerpoint/2010/main" spd="slow" p14:dur="2000">
         <p159:morph option="byObject"/>
       </p:transition>
     </mc:Choice>
-    <mc:Fallback xmlns="">
+    <mc:Fallback>
       <p:transition spd="slow">
         <p:fade/>
       </p:transition>
@@ -11908,13 +11941,13 @@
   <p:clrMapOvr>
     <a:masterClrMapping/>
   </p:clrMapOvr>
-  <mc:AlternateContent xmlns:mc="http://schemas.openxmlformats.org/markup-compatibility/2006" xmlns:p159="http://schemas.microsoft.com/office/powerpoint/2015/09/main">
-    <mc:Choice Requires="p159">
+  <mc:AlternateContent xmlns:mc="http://schemas.openxmlformats.org/markup-compatibility/2006">
+    <mc:Choice xmlns:p159="http://schemas.microsoft.com/office/powerpoint/2015/09/main" xmlns="" Requires="p159">
       <p:transition xmlns:p14="http://schemas.microsoft.com/office/powerpoint/2010/main" spd="slow" p14:dur="2000">
         <p159:morph option="byObject"/>
       </p:transition>
     </mc:Choice>
-    <mc:Fallback xmlns="">
+    <mc:Fallback>
       <p:transition spd="slow">
         <p:fade/>
       </p:transition>
@@ -13273,13 +13306,13 @@
   <p:clrMapOvr>
     <a:masterClrMapping/>
   </p:clrMapOvr>
-  <mc:AlternateContent xmlns:mc="http://schemas.openxmlformats.org/markup-compatibility/2006" xmlns:p159="http://schemas.microsoft.com/office/powerpoint/2015/09/main">
-    <mc:Choice Requires="p159">
+  <mc:AlternateContent xmlns:mc="http://schemas.openxmlformats.org/markup-compatibility/2006">
+    <mc:Choice xmlns:p159="http://schemas.microsoft.com/office/powerpoint/2015/09/main" xmlns="" Requires="p159">
       <p:transition xmlns:p14="http://schemas.microsoft.com/office/powerpoint/2010/main" spd="slow" p14:dur="2000">
         <p159:morph option="byObject"/>
       </p:transition>
     </mc:Choice>
-    <mc:Fallback xmlns="">
+    <mc:Fallback>
       <p:transition spd="slow">
         <p:fade/>
       </p:transition>
@@ -13868,13 +13901,13 @@
   <p:clrMapOvr>
     <a:masterClrMapping/>
   </p:clrMapOvr>
-  <mc:AlternateContent xmlns:mc="http://schemas.openxmlformats.org/markup-compatibility/2006" xmlns:p159="http://schemas.microsoft.com/office/powerpoint/2015/09/main">
-    <mc:Choice Requires="p159">
+  <mc:AlternateContent xmlns:mc="http://schemas.openxmlformats.org/markup-compatibility/2006">
+    <mc:Choice xmlns:p159="http://schemas.microsoft.com/office/powerpoint/2015/09/main" xmlns="" Requires="p159">
       <p:transition xmlns:p14="http://schemas.microsoft.com/office/powerpoint/2010/main" spd="slow" p14:dur="2000">
         <p159:morph option="byObject"/>
       </p:transition>
     </mc:Choice>
-    <mc:Fallback xmlns="">
+    <mc:Fallback>
       <p:transition spd="slow">
         <p:fade/>
       </p:transition>
@@ -14323,13 +14356,13 @@
   <p:clrMapOvr>
     <a:masterClrMapping/>
   </p:clrMapOvr>
-  <mc:AlternateContent xmlns:mc="http://schemas.openxmlformats.org/markup-compatibility/2006" xmlns:p159="http://schemas.microsoft.com/office/powerpoint/2015/09/main">
-    <mc:Choice Requires="p159">
+  <mc:AlternateContent xmlns:mc="http://schemas.openxmlformats.org/markup-compatibility/2006">
+    <mc:Choice xmlns:p159="http://schemas.microsoft.com/office/powerpoint/2015/09/main" xmlns="" Requires="p159">
       <p:transition xmlns:p14="http://schemas.microsoft.com/office/powerpoint/2010/main" spd="slow" p14:dur="2000">
         <p159:morph option="byObject"/>
       </p:transition>
     </mc:Choice>
-    <mc:Fallback xmlns="">
+    <mc:Fallback>
       <p:transition spd="slow">
         <p:fade/>
       </p:transition>
@@ -14656,13 +14689,13 @@
   <p:clrMapOvr>
     <a:masterClrMapping/>
   </p:clrMapOvr>
-  <mc:AlternateContent xmlns:mc="http://schemas.openxmlformats.org/markup-compatibility/2006" xmlns:p159="http://schemas.microsoft.com/office/powerpoint/2015/09/main">
-    <mc:Choice Requires="p159">
+  <mc:AlternateContent xmlns:mc="http://schemas.openxmlformats.org/markup-compatibility/2006">
+    <mc:Choice xmlns:p159="http://schemas.microsoft.com/office/powerpoint/2015/09/main" xmlns="" Requires="p159">
       <p:transition xmlns:p14="http://schemas.microsoft.com/office/powerpoint/2010/main" spd="slow" p14:dur="2000">
         <p159:morph option="byObject"/>
       </p:transition>
     </mc:Choice>
-    <mc:Fallback xmlns="">
+    <mc:Fallback>
       <p:transition spd="slow">
         <p:fade/>
       </p:transition>
@@ -16203,13 +16236,13 @@
   <p:clrMapOvr>
     <a:masterClrMapping/>
   </p:clrMapOvr>
-  <mc:AlternateContent xmlns:mc="http://schemas.openxmlformats.org/markup-compatibility/2006" xmlns:p159="http://schemas.microsoft.com/office/powerpoint/2015/09/main">
-    <mc:Choice Requires="p159">
+  <mc:AlternateContent xmlns:mc="http://schemas.openxmlformats.org/markup-compatibility/2006">
+    <mc:Choice xmlns:p159="http://schemas.microsoft.com/office/powerpoint/2015/09/main" xmlns="" Requires="p159">
       <p:transition xmlns:p14="http://schemas.microsoft.com/office/powerpoint/2010/main" spd="slow" p14:dur="2000">
         <p159:morph option="byObject"/>
       </p:transition>
     </mc:Choice>
-    <mc:Fallback xmlns="">
+    <mc:Fallback>
       <p:transition spd="slow">
         <p:fade/>
       </p:transition>
@@ -17297,13 +17330,13 @@
   <p:clrMapOvr>
     <a:masterClrMapping/>
   </p:clrMapOvr>
-  <mc:AlternateContent xmlns:mc="http://schemas.openxmlformats.org/markup-compatibility/2006" xmlns:p159="http://schemas.microsoft.com/office/powerpoint/2015/09/main">
-    <mc:Choice Requires="p159">
+  <mc:AlternateContent xmlns:mc="http://schemas.openxmlformats.org/markup-compatibility/2006">
+    <mc:Choice xmlns:p159="http://schemas.microsoft.com/office/powerpoint/2015/09/main" xmlns="" Requires="p159">
       <p:transition xmlns:p14="http://schemas.microsoft.com/office/powerpoint/2010/main" spd="slow" p14:dur="2000">
         <p159:morph option="byObject"/>
       </p:transition>
     </mc:Choice>
-    <mc:Fallback xmlns="">
+    <mc:Fallback>
       <p:transition spd="slow">
         <p:fade/>
       </p:transition>
@@ -17687,13 +17720,13 @@
   <p:clrMapOvr>
     <a:masterClrMapping/>
   </p:clrMapOvr>
-  <mc:AlternateContent xmlns:mc="http://schemas.openxmlformats.org/markup-compatibility/2006" xmlns:p159="http://schemas.microsoft.com/office/powerpoint/2015/09/main">
-    <mc:Choice Requires="p159">
+  <mc:AlternateContent xmlns:mc="http://schemas.openxmlformats.org/markup-compatibility/2006">
+    <mc:Choice xmlns:p159="http://schemas.microsoft.com/office/powerpoint/2015/09/main" xmlns="" Requires="p159">
       <p:transition xmlns:p14="http://schemas.microsoft.com/office/powerpoint/2010/main" spd="slow" p14:dur="2000">
         <p159:morph option="byObject"/>
       </p:transition>
     </mc:Choice>
-    <mc:Fallback xmlns="">
+    <mc:Fallback>
       <p:transition spd="slow">
         <p:fade/>
       </p:transition>
@@ -18118,13 +18151,13 @@
   <p:clrMapOvr>
     <a:masterClrMapping/>
   </p:clrMapOvr>
-  <mc:AlternateContent xmlns:mc="http://schemas.openxmlformats.org/markup-compatibility/2006" xmlns:p159="http://schemas.microsoft.com/office/powerpoint/2015/09/main">
-    <mc:Choice Requires="p159">
+  <mc:AlternateContent xmlns:mc="http://schemas.openxmlformats.org/markup-compatibility/2006">
+    <mc:Choice xmlns:p159="http://schemas.microsoft.com/office/powerpoint/2015/09/main" xmlns="" Requires="p159">
       <p:transition xmlns:p14="http://schemas.microsoft.com/office/powerpoint/2010/main" spd="slow" p14:dur="2000">
         <p159:morph option="byObject"/>
       </p:transition>
     </mc:Choice>
-    <mc:Fallback xmlns="">
+    <mc:Fallback>
       <p:transition spd="slow">
         <p:fade/>
       </p:transition>
@@ -18459,13 +18492,13 @@
   <p:clrMapOvr>
     <a:masterClrMapping/>
   </p:clrMapOvr>
-  <mc:AlternateContent xmlns:mc="http://schemas.openxmlformats.org/markup-compatibility/2006" xmlns:p159="http://schemas.microsoft.com/office/powerpoint/2015/09/main">
-    <mc:Choice Requires="p159">
+  <mc:AlternateContent xmlns:mc="http://schemas.openxmlformats.org/markup-compatibility/2006">
+    <mc:Choice xmlns:p159="http://schemas.microsoft.com/office/powerpoint/2015/09/main" xmlns="" Requires="p159">
       <p:transition xmlns:p14="http://schemas.microsoft.com/office/powerpoint/2010/main" spd="slow" p14:dur="2000">
         <p159:morph option="byObject"/>
       </p:transition>
     </mc:Choice>
-    <mc:Fallback xmlns="">
+    <mc:Fallback>
       <p:transition spd="slow">
         <p:fade/>
       </p:transition>
@@ -21043,13 +21076,13 @@
   <p:clrMapOvr>
     <a:masterClrMapping/>
   </p:clrMapOvr>
-  <mc:AlternateContent xmlns:mc="http://schemas.openxmlformats.org/markup-compatibility/2006" xmlns:p159="http://schemas.microsoft.com/office/powerpoint/2015/09/main">
-    <mc:Choice Requires="p159">
+  <mc:AlternateContent xmlns:mc="http://schemas.openxmlformats.org/markup-compatibility/2006">
+    <mc:Choice xmlns:p159="http://schemas.microsoft.com/office/powerpoint/2015/09/main" xmlns="" Requires="p159">
       <p:transition xmlns:p14="http://schemas.microsoft.com/office/powerpoint/2010/main" spd="slow" p14:dur="2000">
         <p159:morph option="byObject"/>
       </p:transition>
     </mc:Choice>
-    <mc:Fallback xmlns="">
+    <mc:Fallback>
       <p:transition spd="slow">
         <p:fade/>
       </p:transition>
@@ -21900,13 +21933,13 @@
   <p:clrMapOvr>
     <a:masterClrMapping/>
   </p:clrMapOvr>
-  <mc:AlternateContent xmlns:mc="http://schemas.openxmlformats.org/markup-compatibility/2006" xmlns:p159="http://schemas.microsoft.com/office/powerpoint/2015/09/main">
-    <mc:Choice Requires="p159">
+  <mc:AlternateContent xmlns:mc="http://schemas.openxmlformats.org/markup-compatibility/2006">
+    <mc:Choice xmlns:p159="http://schemas.microsoft.com/office/powerpoint/2015/09/main" xmlns="" Requires="p159">
       <p:transition xmlns:p14="http://schemas.microsoft.com/office/powerpoint/2010/main" spd="slow" p14:dur="2000">
         <p159:morph option="byObject"/>
       </p:transition>
     </mc:Choice>
-    <mc:Fallback xmlns="">
+    <mc:Fallback>
       <p:transition spd="slow">
         <p:fade/>
       </p:transition>
